--- a/docs/figs.pptx
+++ b/docs/figs.pptx
@@ -5,19 +5,20 @@
     <p:sldMasterId id="2147483650" r:id="rId1"/>
   </p:sldMasterIdLst>
   <p:notesMasterIdLst>
-    <p:notesMasterId r:id="rId4"/>
+    <p:notesMasterId r:id="rId5"/>
   </p:notesMasterIdLst>
   <p:handoutMasterIdLst>
-    <p:handoutMasterId r:id="rId5"/>
+    <p:handoutMasterId r:id="rId6"/>
   </p:handoutMasterIdLst>
   <p:sldIdLst>
     <p:sldId id="633" r:id="rId2"/>
     <p:sldId id="617" r:id="rId3"/>
+    <p:sldId id="634" r:id="rId4"/>
   </p:sldIdLst>
   <p:sldSz cx="12192000" cy="6858000"/>
   <p:notesSz cx="7104063" cy="10234613"/>
   <p:custDataLst>
-    <p:tags r:id="rId6"/>
+    <p:tags r:id="rId7"/>
   </p:custDataLst>
   <p:defaultTextStyle>
     <a:defPPr>
@@ -253,7 +254,7 @@
           <a:p>
             <a:fld id="{C164DD68-2732-49B4-858A-1C9331384166}" type="datetimeFigureOut">
               <a:rPr lang="zh-CN" altLang="en-US" smtClean="0"/>
-              <a:t>2024/2/26</a:t>
+              <a:t>2024/3/4</a:t>
             </a:fld>
             <a:endParaRPr lang="zh-CN" altLang="en-US"/>
           </a:p>
@@ -430,7 +431,7 @@
           <a:p>
             <a:fld id="{5D13BBE5-0BEA-4494-9BEF-C8C2F48C9E2D}" type="datetimeFigureOut">
               <a:rPr lang="zh-CN" altLang="en-US" smtClean="0"/>
-              <a:t>2024/2/26</a:t>
+              <a:t>2024/3/4</a:t>
             </a:fld>
             <a:endParaRPr lang="zh-CN" altLang="en-US"/>
           </a:p>
@@ -3653,6 +3654,14 @@
 <file path=ppt/slides/slide2.xml><?xml version="1.0" encoding="utf-8"?>
 <p:sld xmlns:a="http://schemas.openxmlformats.org/drawingml/2006/main" xmlns:r="http://schemas.openxmlformats.org/officeDocument/2006/relationships" xmlns:p="http://schemas.openxmlformats.org/presentationml/2006/main">
   <p:cSld>
+    <p:bg>
+      <p:bgPr>
+        <a:solidFill>
+          <a:schemeClr val="bg1"/>
+        </a:solidFill>
+        <a:effectLst/>
+      </p:bgPr>
+    </p:bg>
     <p:spTree>
       <p:nvGrpSpPr>
         <p:cNvPr id="1" name=""/>
@@ -3667,374 +3676,12 @@
           <a:chExt cx="0" cy="0"/>
         </a:xfrm>
       </p:grpSpPr>
-      <p:pic>
-        <p:nvPicPr>
-          <p:cNvPr id="5" name="Graphic 4" descr="Box outline">
-            <a:extLst>
-              <a:ext uri="{FF2B5EF4-FFF2-40B4-BE49-F238E27FC236}">
-                <a16:creationId xmlns:a16="http://schemas.microsoft.com/office/drawing/2014/main" id="{2AED53E2-9226-4205-E3B0-40D9E1F8ABF8}"/>
-              </a:ext>
-            </a:extLst>
-          </p:cNvPr>
-          <p:cNvPicPr>
-            <a:picLocks noChangeAspect="1"/>
-          </p:cNvPicPr>
-          <p:nvPr/>
-        </p:nvPicPr>
-        <p:blipFill>
-          <a:blip r:embed="rId2">
-            <a:extLst>
-              <a:ext uri="{28A0092B-C50C-407E-A947-70E740481C1C}">
-                <a14:useLocalDpi xmlns:a14="http://schemas.microsoft.com/office/drawing/2010/main" val="0"/>
-              </a:ext>
-              <a:ext uri="{96DAC541-7B7A-43D3-8B79-37D633B846F1}">
-                <asvg:svgBlip xmlns:asvg="http://schemas.microsoft.com/office/drawing/2016/SVG/main" r:embed="rId3"/>
-              </a:ext>
-            </a:extLst>
-          </a:blip>
-          <a:stretch>
-            <a:fillRect/>
-          </a:stretch>
-        </p:blipFill>
-        <p:spPr>
-          <a:xfrm>
-            <a:off x="3386923" y="1557127"/>
-            <a:ext cx="914400" cy="914400"/>
-          </a:xfrm>
-          <a:prstGeom prst="rect">
-            <a:avLst/>
-          </a:prstGeom>
-        </p:spPr>
-      </p:pic>
       <p:sp>
         <p:nvSpPr>
-          <p:cNvPr id="6" name="TextBox 5">
+          <p:cNvPr id="29" name="Rectangle 28">
             <a:extLst>
               <a:ext uri="{FF2B5EF4-FFF2-40B4-BE49-F238E27FC236}">
-                <a16:creationId xmlns:a16="http://schemas.microsoft.com/office/drawing/2014/main" id="{AD4DA0E2-C190-58FB-02CD-BE1C5813F140}"/>
-              </a:ext>
-            </a:extLst>
-          </p:cNvPr>
-          <p:cNvSpPr txBox="1"/>
-          <p:nvPr/>
-        </p:nvSpPr>
-        <p:spPr>
-          <a:xfrm>
-            <a:off x="2753600" y="2479790"/>
-            <a:ext cx="2181046" cy="369332"/>
-          </a:xfrm>
-          <a:prstGeom prst="rect">
-            <a:avLst/>
-          </a:prstGeom>
-          <a:noFill/>
-        </p:spPr>
-        <p:txBody>
-          <a:bodyPr wrap="none" rtlCol="0">
-            <a:spAutoFit/>
-          </a:bodyPr>
-          <a:lstStyle/>
-          <a:p>
-            <a:r>
-              <a:rPr lang="en-US" dirty="0"/>
-              <a:t>CLM</a:t>
-            </a:r>
-            <a:r>
-              <a:rPr lang="zh-CN" altLang="en-US" dirty="0"/>
-              <a:t> </a:t>
-            </a:r>
-            <a:r>
-              <a:rPr lang="en-US" altLang="zh-CN" dirty="0"/>
-              <a:t>ENV</a:t>
-            </a:r>
-            <a:r>
-              <a:rPr lang="zh-CN" altLang="en-US" dirty="0"/>
-              <a:t> </a:t>
-            </a:r>
-            <a:r>
-              <a:rPr lang="en-US" dirty="0"/>
-              <a:t>Container</a:t>
-            </a:r>
-          </a:p>
-        </p:txBody>
-      </p:sp>
-      <p:pic>
-        <p:nvPicPr>
-          <p:cNvPr id="1026" name="Picture 2" descr="우분투 18.04 도커(Docker) 설치 방법 - 코스모스팜 블로그">
-            <a:extLst>
-              <a:ext uri="{FF2B5EF4-FFF2-40B4-BE49-F238E27FC236}">
-                <a16:creationId xmlns:a16="http://schemas.microsoft.com/office/drawing/2014/main" id="{7D49AA9A-AF67-B630-EEF1-6508EAFE21C4}"/>
-              </a:ext>
-            </a:extLst>
-          </p:cNvPr>
-          <p:cNvPicPr>
-            <a:picLocks noChangeAspect="1" noChangeArrowheads="1"/>
-          </p:cNvPicPr>
-          <p:nvPr/>
-        </p:nvPicPr>
-        <p:blipFill>
-          <a:blip r:embed="rId4">
-            <a:extLst>
-              <a:ext uri="{28A0092B-C50C-407E-A947-70E740481C1C}">
-                <a14:useLocalDpi xmlns:a14="http://schemas.microsoft.com/office/drawing/2010/main" val="0"/>
-              </a:ext>
-            </a:extLst>
-          </a:blip>
-          <a:srcRect/>
-          <a:stretch>
-            <a:fillRect/>
-          </a:stretch>
-        </p:blipFill>
-        <p:spPr bwMode="auto">
-          <a:xfrm>
-            <a:off x="2615423" y="1450855"/>
-            <a:ext cx="645630" cy="388133"/>
-          </a:xfrm>
-          <a:prstGeom prst="rect">
-            <a:avLst/>
-          </a:prstGeom>
-          <a:noFill/>
-          <a:extLst>
-            <a:ext uri="{909E8E84-426E-40DD-AFC4-6F175D3DCCD1}">
-              <a14:hiddenFill xmlns:a14="http://schemas.microsoft.com/office/drawing/2010/main">
-                <a:solidFill>
-                  <a:srgbClr val="FFFFFF"/>
-                </a:solidFill>
-              </a14:hiddenFill>
-            </a:ext>
-          </a:extLst>
-        </p:spPr>
-      </p:pic>
-      <p:pic>
-        <p:nvPicPr>
-          <p:cNvPr id="1028" name="Picture 4" descr="Singularity Container Ation User guide 2.6">
-            <a:extLst>
-              <a:ext uri="{FF2B5EF4-FFF2-40B4-BE49-F238E27FC236}">
-                <a16:creationId xmlns:a16="http://schemas.microsoft.com/office/drawing/2014/main" id="{7C16C9BA-8536-DECC-D849-5C395964586E}"/>
-              </a:ext>
-            </a:extLst>
-          </p:cNvPr>
-          <p:cNvPicPr>
-            <a:picLocks noChangeAspect="1" noChangeArrowheads="1"/>
-          </p:cNvPicPr>
-          <p:nvPr/>
-        </p:nvPicPr>
-        <p:blipFill rotWithShape="1">
-          <a:blip r:embed="rId5">
-            <a:extLst>
-              <a:ext uri="{28A0092B-C50C-407E-A947-70E740481C1C}">
-                <a14:useLocalDpi xmlns:a14="http://schemas.microsoft.com/office/drawing/2010/main" val="0"/>
-              </a:ext>
-            </a:extLst>
-          </a:blip>
-          <a:srcRect t="3164" b="26084"/>
-          <a:stretch/>
-        </p:blipFill>
-        <p:spPr bwMode="auto">
-          <a:xfrm>
-            <a:off x="2711449" y="1995036"/>
-            <a:ext cx="420858" cy="399491"/>
-          </a:xfrm>
-          <a:prstGeom prst="rect">
-            <a:avLst/>
-          </a:prstGeom>
-          <a:noFill/>
-          <a:extLst>
-            <a:ext uri="{909E8E84-426E-40DD-AFC4-6F175D3DCCD1}">
-              <a14:hiddenFill xmlns:a14="http://schemas.microsoft.com/office/drawing/2010/main">
-                <a:solidFill>
-                  <a:srgbClr val="FFFFFF"/>
-                </a:solidFill>
-              </a14:hiddenFill>
-            </a:ext>
-          </a:extLst>
-        </p:spPr>
-      </p:pic>
-      <p:sp>
-        <p:nvSpPr>
-          <p:cNvPr id="17" name="TextBox 16">
-            <a:extLst>
-              <a:ext uri="{FF2B5EF4-FFF2-40B4-BE49-F238E27FC236}">
-                <a16:creationId xmlns:a16="http://schemas.microsoft.com/office/drawing/2014/main" id="{48ACA455-9F9A-275A-1EAA-838AA57A7DD4}"/>
-              </a:ext>
-            </a:extLst>
-          </p:cNvPr>
-          <p:cNvSpPr txBox="1"/>
-          <p:nvPr/>
-        </p:nvSpPr>
-        <p:spPr>
-          <a:xfrm>
-            <a:off x="2753600" y="3114344"/>
-            <a:ext cx="2975495" cy="553998"/>
-          </a:xfrm>
-          <a:prstGeom prst="rect">
-            <a:avLst/>
-          </a:prstGeom>
-          <a:noFill/>
-        </p:spPr>
-        <p:txBody>
-          <a:bodyPr wrap="none" rtlCol="0">
-            <a:spAutoFit/>
-          </a:bodyPr>
-          <a:lstStyle/>
-          <a:p>
-            <a:r>
-              <a:rPr lang="en-US" dirty="0"/>
-              <a:t>CLM:</a:t>
-            </a:r>
-          </a:p>
-          <a:p>
-            <a:r>
-              <a:rPr lang="en-US" sz="1200" dirty="0"/>
-              <a:t>GitHub: https://</a:t>
-            </a:r>
-            <a:r>
-              <a:rPr lang="en-US" sz="1200" dirty="0" err="1"/>
-              <a:t>github.com</a:t>
-            </a:r>
-            <a:r>
-              <a:rPr lang="en-US" sz="1200" dirty="0"/>
-              <a:t>/ESCOMP/CTSM</a:t>
-            </a:r>
-          </a:p>
-        </p:txBody>
-      </p:sp>
-      <p:sp>
-        <p:nvSpPr>
-          <p:cNvPr id="23" name="TextBox 22">
-            <a:extLst>
-              <a:ext uri="{FF2B5EF4-FFF2-40B4-BE49-F238E27FC236}">
-                <a16:creationId xmlns:a16="http://schemas.microsoft.com/office/drawing/2014/main" id="{23A93E36-00B0-062E-889B-036F0A638085}"/>
-              </a:ext>
-            </a:extLst>
-          </p:cNvPr>
-          <p:cNvSpPr txBox="1"/>
-          <p:nvPr/>
-        </p:nvSpPr>
-        <p:spPr>
-          <a:xfrm>
-            <a:off x="6864799" y="3059668"/>
-            <a:ext cx="2973891" cy="369332"/>
-          </a:xfrm>
-          <a:prstGeom prst="rect">
-            <a:avLst/>
-          </a:prstGeom>
-          <a:noFill/>
-        </p:spPr>
-        <p:txBody>
-          <a:bodyPr wrap="none" rtlCol="0">
-            <a:spAutoFit/>
-          </a:bodyPr>
-          <a:lstStyle/>
-          <a:p>
-            <a:r>
-              <a:rPr lang="en-US" dirty="0"/>
-              <a:t>Run CLM/CTSM in container</a:t>
-            </a:r>
-          </a:p>
-        </p:txBody>
-      </p:sp>
-      <p:sp>
-        <p:nvSpPr>
-          <p:cNvPr id="25" name="TextBox 24">
-            <a:extLst>
-              <a:ext uri="{FF2B5EF4-FFF2-40B4-BE49-F238E27FC236}">
-                <a16:creationId xmlns:a16="http://schemas.microsoft.com/office/drawing/2014/main" id="{DA57874B-DCDC-8B41-72D8-AC3E1E16F488}"/>
-              </a:ext>
-            </a:extLst>
-          </p:cNvPr>
-          <p:cNvSpPr txBox="1"/>
-          <p:nvPr/>
-        </p:nvSpPr>
-        <p:spPr>
-          <a:xfrm>
-            <a:off x="7153117" y="3621945"/>
-            <a:ext cx="2846211" cy="1384995"/>
-          </a:xfrm>
-          <a:prstGeom prst="rect">
-            <a:avLst/>
-          </a:prstGeom>
-          <a:noFill/>
-        </p:spPr>
-        <p:txBody>
-          <a:bodyPr wrap="square" rtlCol="0">
-            <a:spAutoFit/>
-          </a:bodyPr>
-          <a:lstStyle/>
-          <a:p>
-            <a:r>
-              <a:rPr lang="en-US" altLang="zh-CN" sz="1400" dirty="0"/>
-              <a:t>./</a:t>
-            </a:r>
-            <a:r>
-              <a:rPr lang="en-US" altLang="zh-CN" sz="1400" dirty="0" err="1"/>
-              <a:t>create_case</a:t>
-            </a:r>
-            <a:r>
-              <a:rPr lang="en-US" altLang="zh-CN" sz="1400" dirty="0"/>
-              <a:t> …</a:t>
-            </a:r>
-          </a:p>
-          <a:p>
-            <a:r>
-              <a:rPr lang="en-US" sz="1400" dirty="0"/>
-              <a:t>./</a:t>
-            </a:r>
-            <a:r>
-              <a:rPr lang="en-US" sz="1400" dirty="0" err="1"/>
-              <a:t>xmlchange</a:t>
-            </a:r>
-            <a:r>
-              <a:rPr lang="en-US" sz="1400" dirty="0"/>
-              <a:t> …</a:t>
-            </a:r>
-          </a:p>
-          <a:p>
-            <a:r>
-              <a:rPr lang="en-US" sz="1400" dirty="0"/>
-              <a:t>…</a:t>
-            </a:r>
-          </a:p>
-          <a:p>
-            <a:r>
-              <a:rPr lang="en-US" sz="1400" dirty="0"/>
-              <a:t>./</a:t>
-            </a:r>
-            <a:r>
-              <a:rPr lang="en-US" sz="1400" dirty="0" err="1"/>
-              <a:t>case.build</a:t>
-            </a:r>
-            <a:endParaRPr lang="en-US" sz="1400" dirty="0"/>
-          </a:p>
-          <a:p>
-            <a:r>
-              <a:rPr lang="en-US" sz="1400" dirty="0"/>
-              <a:t>./</a:t>
-            </a:r>
-            <a:r>
-              <a:rPr lang="en-US" sz="1400" dirty="0" err="1"/>
-              <a:t>preview_namelists</a:t>
-            </a:r>
-            <a:endParaRPr lang="en-US" sz="1400" dirty="0"/>
-          </a:p>
-          <a:p>
-            <a:r>
-              <a:rPr lang="en-US" sz="1400" dirty="0"/>
-              <a:t>./</a:t>
-            </a:r>
-            <a:r>
-              <a:rPr lang="en-US" sz="1400" dirty="0" err="1"/>
-              <a:t>case.submit</a:t>
-            </a:r>
-            <a:endParaRPr lang="en-US" sz="1400" dirty="0"/>
-          </a:p>
-        </p:txBody>
-      </p:sp>
-      <p:sp>
-        <p:nvSpPr>
-          <p:cNvPr id="26" name="Rectangle 25">
-            <a:extLst>
-              <a:ext uri="{FF2B5EF4-FFF2-40B4-BE49-F238E27FC236}">
-                <a16:creationId xmlns:a16="http://schemas.microsoft.com/office/drawing/2014/main" id="{53BDEB77-0F6C-8075-9F92-BAC1AF92BD77}"/>
+                <a16:creationId xmlns:a16="http://schemas.microsoft.com/office/drawing/2014/main" id="{9CBE636C-B1E6-5161-E0D0-9806E876C914}"/>
               </a:ext>
             </a:extLst>
           </p:cNvPr>
@@ -4043,18 +3690,15 @@
         </p:nvSpPr>
         <p:spPr>
           <a:xfrm>
-            <a:off x="7060020" y="3601892"/>
-            <a:ext cx="2413680" cy="1454476"/>
+            <a:off x="468351" y="267629"/>
+            <a:ext cx="10203366" cy="6055112"/>
           </a:xfrm>
           <a:prstGeom prst="rect">
             <a:avLst/>
           </a:prstGeom>
-          <a:noFill/>
-          <a:ln>
-            <a:solidFill>
-              <a:schemeClr val="tx1"/>
-            </a:solidFill>
-          </a:ln>
+          <a:solidFill>
+            <a:schemeClr val="bg1"/>
+          </a:solidFill>
         </p:spPr>
         <p:style>
           <a:lnRef idx="2">
@@ -4081,6 +3725,481 @@
           </a:p>
         </p:txBody>
       </p:sp>
+      <p:sp>
+        <p:nvSpPr>
+          <p:cNvPr id="8" name="TextBox 7">
+            <a:extLst>
+              <a:ext uri="{FF2B5EF4-FFF2-40B4-BE49-F238E27FC236}">
+                <a16:creationId xmlns:a16="http://schemas.microsoft.com/office/drawing/2014/main" id="{7D97AE48-C1CF-66FB-753C-67F0ED0A270E}"/>
+              </a:ext>
+            </a:extLst>
+          </p:cNvPr>
+          <p:cNvSpPr txBox="1"/>
+          <p:nvPr/>
+        </p:nvSpPr>
+        <p:spPr>
+          <a:xfrm>
+            <a:off x="2563907" y="1336431"/>
+            <a:ext cx="3480577" cy="2708031"/>
+          </a:xfrm>
+          <a:prstGeom prst="rect">
+            <a:avLst/>
+          </a:prstGeom>
+          <a:noFill/>
+          <a:ln>
+            <a:solidFill>
+              <a:schemeClr val="tx1"/>
+            </a:solidFill>
+            <a:prstDash val="sysDash"/>
+          </a:ln>
+        </p:spPr>
+        <p:txBody>
+          <a:bodyPr wrap="square" rtlCol="0">
+            <a:spAutoFit/>
+          </a:bodyPr>
+          <a:lstStyle/>
+          <a:p>
+            <a:endParaRPr lang="en-US" dirty="0"/>
+          </a:p>
+        </p:txBody>
+      </p:sp>
+      <p:pic>
+        <p:nvPicPr>
+          <p:cNvPr id="5" name="Graphic 4" descr="Box outline">
+            <a:extLst>
+              <a:ext uri="{FF2B5EF4-FFF2-40B4-BE49-F238E27FC236}">
+                <a16:creationId xmlns:a16="http://schemas.microsoft.com/office/drawing/2014/main" id="{2AED53E2-9226-4205-E3B0-40D9E1F8ABF8}"/>
+              </a:ext>
+            </a:extLst>
+          </p:cNvPr>
+          <p:cNvPicPr>
+            <a:picLocks noChangeAspect="1"/>
+          </p:cNvPicPr>
+          <p:nvPr/>
+        </p:nvPicPr>
+        <p:blipFill>
+          <a:blip r:embed="rId2">
+            <a:extLst>
+              <a:ext uri="{28A0092B-C50C-407E-A947-70E740481C1C}">
+                <a14:useLocalDpi xmlns:a14="http://schemas.microsoft.com/office/drawing/2010/main" val="0"/>
+              </a:ext>
+              <a:ext uri="{96DAC541-7B7A-43D3-8B79-37D633B846F1}">
+                <asvg:svgBlip xmlns:asvg="http://schemas.microsoft.com/office/drawing/2016/SVG/main" r:embed="rId3"/>
+              </a:ext>
+            </a:extLst>
+          </a:blip>
+          <a:stretch>
+            <a:fillRect/>
+          </a:stretch>
+        </p:blipFill>
+        <p:spPr>
+          <a:xfrm>
+            <a:off x="3386923" y="1557127"/>
+            <a:ext cx="914400" cy="914400"/>
+          </a:xfrm>
+          <a:prstGeom prst="rect">
+            <a:avLst/>
+          </a:prstGeom>
+        </p:spPr>
+      </p:pic>
+      <p:sp>
+        <p:nvSpPr>
+          <p:cNvPr id="6" name="TextBox 5">
+            <a:extLst>
+              <a:ext uri="{FF2B5EF4-FFF2-40B4-BE49-F238E27FC236}">
+                <a16:creationId xmlns:a16="http://schemas.microsoft.com/office/drawing/2014/main" id="{AD4DA0E2-C190-58FB-02CD-BE1C5813F140}"/>
+              </a:ext>
+            </a:extLst>
+          </p:cNvPr>
+          <p:cNvSpPr txBox="1"/>
+          <p:nvPr/>
+        </p:nvSpPr>
+        <p:spPr>
+          <a:xfrm>
+            <a:off x="2753600" y="2479790"/>
+            <a:ext cx="2181046" cy="369332"/>
+          </a:xfrm>
+          <a:prstGeom prst="rect">
+            <a:avLst/>
+          </a:prstGeom>
+          <a:noFill/>
+        </p:spPr>
+        <p:txBody>
+          <a:bodyPr wrap="none" rtlCol="0">
+            <a:spAutoFit/>
+          </a:bodyPr>
+          <a:lstStyle/>
+          <a:p>
+            <a:r>
+              <a:rPr lang="en-US" dirty="0"/>
+              <a:t>CLM</a:t>
+            </a:r>
+            <a:r>
+              <a:rPr lang="zh-CN" altLang="en-US" dirty="0"/>
+              <a:t> </a:t>
+            </a:r>
+            <a:r>
+              <a:rPr lang="en-US" altLang="zh-CN" dirty="0"/>
+              <a:t>ENV</a:t>
+            </a:r>
+            <a:r>
+              <a:rPr lang="zh-CN" altLang="en-US" dirty="0"/>
+              <a:t> </a:t>
+            </a:r>
+            <a:r>
+              <a:rPr lang="en-US" dirty="0"/>
+              <a:t>Container</a:t>
+            </a:r>
+          </a:p>
+        </p:txBody>
+      </p:sp>
+      <p:pic>
+        <p:nvPicPr>
+          <p:cNvPr id="1026" name="Picture 2" descr="우분투 18.04 도커(Docker) 설치 방법 - 코스모스팜 블로그">
+            <a:extLst>
+              <a:ext uri="{FF2B5EF4-FFF2-40B4-BE49-F238E27FC236}">
+                <a16:creationId xmlns:a16="http://schemas.microsoft.com/office/drawing/2014/main" id="{7D49AA9A-AF67-B630-EEF1-6508EAFE21C4}"/>
+              </a:ext>
+            </a:extLst>
+          </p:cNvPr>
+          <p:cNvPicPr>
+            <a:picLocks noChangeAspect="1" noChangeArrowheads="1"/>
+          </p:cNvPicPr>
+          <p:nvPr/>
+        </p:nvPicPr>
+        <p:blipFill>
+          <a:blip r:embed="rId4">
+            <a:extLst>
+              <a:ext uri="{28A0092B-C50C-407E-A947-70E740481C1C}">
+                <a14:useLocalDpi xmlns:a14="http://schemas.microsoft.com/office/drawing/2010/main" val="0"/>
+              </a:ext>
+            </a:extLst>
+          </a:blip>
+          <a:srcRect/>
+          <a:stretch>
+            <a:fillRect/>
+          </a:stretch>
+        </p:blipFill>
+        <p:spPr bwMode="auto">
+          <a:xfrm>
+            <a:off x="2615423" y="1450855"/>
+            <a:ext cx="645630" cy="388133"/>
+          </a:xfrm>
+          <a:prstGeom prst="rect">
+            <a:avLst/>
+          </a:prstGeom>
+          <a:noFill/>
+          <a:extLst>
+            <a:ext uri="{909E8E84-426E-40DD-AFC4-6F175D3DCCD1}">
+              <a14:hiddenFill xmlns:a14="http://schemas.microsoft.com/office/drawing/2010/main">
+                <a:solidFill>
+                  <a:srgbClr val="FFFFFF"/>
+                </a:solidFill>
+              </a14:hiddenFill>
+            </a:ext>
+          </a:extLst>
+        </p:spPr>
+      </p:pic>
+      <p:pic>
+        <p:nvPicPr>
+          <p:cNvPr id="1028" name="Picture 4" descr="Singularity Container Ation User guide 2.6">
+            <a:extLst>
+              <a:ext uri="{FF2B5EF4-FFF2-40B4-BE49-F238E27FC236}">
+                <a16:creationId xmlns:a16="http://schemas.microsoft.com/office/drawing/2014/main" id="{7C16C9BA-8536-DECC-D849-5C395964586E}"/>
+              </a:ext>
+            </a:extLst>
+          </p:cNvPr>
+          <p:cNvPicPr>
+            <a:picLocks noChangeAspect="1" noChangeArrowheads="1"/>
+          </p:cNvPicPr>
+          <p:nvPr/>
+        </p:nvPicPr>
+        <p:blipFill rotWithShape="1">
+          <a:blip r:embed="rId5">
+            <a:extLst>
+              <a:ext uri="{28A0092B-C50C-407E-A947-70E740481C1C}">
+                <a14:useLocalDpi xmlns:a14="http://schemas.microsoft.com/office/drawing/2010/main" val="0"/>
+              </a:ext>
+            </a:extLst>
+          </a:blip>
+          <a:srcRect t="3164" b="26084"/>
+          <a:stretch/>
+        </p:blipFill>
+        <p:spPr bwMode="auto">
+          <a:xfrm>
+            <a:off x="2711449" y="1995036"/>
+            <a:ext cx="420858" cy="399491"/>
+          </a:xfrm>
+          <a:prstGeom prst="rect">
+            <a:avLst/>
+          </a:prstGeom>
+          <a:noFill/>
+          <a:extLst>
+            <a:ext uri="{909E8E84-426E-40DD-AFC4-6F175D3DCCD1}">
+              <a14:hiddenFill xmlns:a14="http://schemas.microsoft.com/office/drawing/2010/main">
+                <a:solidFill>
+                  <a:srgbClr val="FFFFFF"/>
+                </a:solidFill>
+              </a14:hiddenFill>
+            </a:ext>
+          </a:extLst>
+        </p:spPr>
+      </p:pic>
+      <p:sp>
+        <p:nvSpPr>
+          <p:cNvPr id="17" name="TextBox 16">
+            <a:extLst>
+              <a:ext uri="{FF2B5EF4-FFF2-40B4-BE49-F238E27FC236}">
+                <a16:creationId xmlns:a16="http://schemas.microsoft.com/office/drawing/2014/main" id="{48ACA455-9F9A-275A-1EAA-838AA57A7DD4}"/>
+              </a:ext>
+            </a:extLst>
+          </p:cNvPr>
+          <p:cNvSpPr txBox="1"/>
+          <p:nvPr/>
+        </p:nvSpPr>
+        <p:spPr>
+          <a:xfrm>
+            <a:off x="2753600" y="3114344"/>
+            <a:ext cx="2975495" cy="738664"/>
+          </a:xfrm>
+          <a:prstGeom prst="rect">
+            <a:avLst/>
+          </a:prstGeom>
+          <a:noFill/>
+        </p:spPr>
+        <p:txBody>
+          <a:bodyPr wrap="none" rtlCol="0">
+            <a:spAutoFit/>
+          </a:bodyPr>
+          <a:lstStyle/>
+          <a:p>
+            <a:r>
+              <a:rPr lang="en-US" dirty="0"/>
+              <a:t>CLM  </a:t>
+            </a:r>
+            <a:r>
+              <a:rPr lang="en-US" altLang="zh-CN" dirty="0"/>
+              <a:t>&gt;</a:t>
+            </a:r>
+            <a:endParaRPr lang="en-US" dirty="0"/>
+          </a:p>
+          <a:p>
+            <a:r>
+              <a:rPr lang="en-US" sz="1200" dirty="0"/>
+              <a:t>(hosted by NCAR)</a:t>
+            </a:r>
+          </a:p>
+          <a:p>
+            <a:r>
+              <a:rPr lang="en-US" sz="1200" dirty="0">
+                <a:solidFill>
+                  <a:schemeClr val="bg1"/>
+                </a:solidFill>
+              </a:rPr>
+              <a:t>GitHub: https://</a:t>
+            </a:r>
+            <a:r>
+              <a:rPr lang="en-US" sz="1200" dirty="0" err="1">
+                <a:solidFill>
+                  <a:schemeClr val="bg1"/>
+                </a:solidFill>
+              </a:rPr>
+              <a:t>github.com</a:t>
+            </a:r>
+            <a:r>
+              <a:rPr lang="en-US" sz="1200" dirty="0">
+                <a:solidFill>
+                  <a:schemeClr val="bg1"/>
+                </a:solidFill>
+              </a:rPr>
+              <a:t>/ESCOMP/CTSM</a:t>
+            </a:r>
+          </a:p>
+        </p:txBody>
+      </p:sp>
+      <p:sp>
+        <p:nvSpPr>
+          <p:cNvPr id="23" name="TextBox 22">
+            <a:extLst>
+              <a:ext uri="{FF2B5EF4-FFF2-40B4-BE49-F238E27FC236}">
+                <a16:creationId xmlns:a16="http://schemas.microsoft.com/office/drawing/2014/main" id="{23A93E36-00B0-062E-889B-036F0A638085}"/>
+              </a:ext>
+            </a:extLst>
+          </p:cNvPr>
+          <p:cNvSpPr txBox="1"/>
+          <p:nvPr/>
+        </p:nvSpPr>
+        <p:spPr>
+          <a:xfrm>
+            <a:off x="6864799" y="3059668"/>
+            <a:ext cx="2973891" cy="369332"/>
+          </a:xfrm>
+          <a:prstGeom prst="rect">
+            <a:avLst/>
+          </a:prstGeom>
+          <a:noFill/>
+        </p:spPr>
+        <p:txBody>
+          <a:bodyPr wrap="none" rtlCol="0">
+            <a:spAutoFit/>
+          </a:bodyPr>
+          <a:lstStyle/>
+          <a:p>
+            <a:r>
+              <a:rPr lang="en-US" dirty="0"/>
+              <a:t>Run CLM/CTSM in container</a:t>
+            </a:r>
+          </a:p>
+        </p:txBody>
+      </p:sp>
+      <p:sp>
+        <p:nvSpPr>
+          <p:cNvPr id="25" name="TextBox 24">
+            <a:extLst>
+              <a:ext uri="{FF2B5EF4-FFF2-40B4-BE49-F238E27FC236}">
+                <a16:creationId xmlns:a16="http://schemas.microsoft.com/office/drawing/2014/main" id="{DA57874B-DCDC-8B41-72D8-AC3E1E16F488}"/>
+              </a:ext>
+            </a:extLst>
+          </p:cNvPr>
+          <p:cNvSpPr txBox="1"/>
+          <p:nvPr/>
+        </p:nvSpPr>
+        <p:spPr>
+          <a:xfrm>
+            <a:off x="7153117" y="3621945"/>
+            <a:ext cx="2846211" cy="1384995"/>
+          </a:xfrm>
+          <a:prstGeom prst="rect">
+            <a:avLst/>
+          </a:prstGeom>
+          <a:noFill/>
+        </p:spPr>
+        <p:txBody>
+          <a:bodyPr wrap="square" rtlCol="0">
+            <a:spAutoFit/>
+          </a:bodyPr>
+          <a:lstStyle/>
+          <a:p>
+            <a:r>
+              <a:rPr lang="en-US" altLang="zh-CN" sz="1400" dirty="0"/>
+              <a:t>./</a:t>
+            </a:r>
+            <a:r>
+              <a:rPr lang="en-US" altLang="zh-CN" sz="1400" dirty="0" err="1"/>
+              <a:t>create_case</a:t>
+            </a:r>
+            <a:r>
+              <a:rPr lang="en-US" altLang="zh-CN" sz="1400" dirty="0"/>
+              <a:t> …</a:t>
+            </a:r>
+          </a:p>
+          <a:p>
+            <a:r>
+              <a:rPr lang="en-US" sz="1400" dirty="0"/>
+              <a:t>./</a:t>
+            </a:r>
+            <a:r>
+              <a:rPr lang="en-US" sz="1400" dirty="0" err="1"/>
+              <a:t>xmlchange</a:t>
+            </a:r>
+            <a:r>
+              <a:rPr lang="en-US" sz="1400" dirty="0"/>
+              <a:t> …</a:t>
+            </a:r>
+          </a:p>
+          <a:p>
+            <a:r>
+              <a:rPr lang="en-US" sz="1400" dirty="0"/>
+              <a:t>…</a:t>
+            </a:r>
+          </a:p>
+          <a:p>
+            <a:r>
+              <a:rPr lang="en-US" sz="1400" dirty="0"/>
+              <a:t>./</a:t>
+            </a:r>
+            <a:r>
+              <a:rPr lang="en-US" sz="1400" dirty="0" err="1"/>
+              <a:t>case.build</a:t>
+            </a:r>
+            <a:endParaRPr lang="en-US" sz="1400" dirty="0"/>
+          </a:p>
+          <a:p>
+            <a:r>
+              <a:rPr lang="en-US" sz="1400" dirty="0"/>
+              <a:t>./</a:t>
+            </a:r>
+            <a:r>
+              <a:rPr lang="en-US" sz="1400" dirty="0" err="1"/>
+              <a:t>preview_namelists</a:t>
+            </a:r>
+            <a:endParaRPr lang="en-US" sz="1400" dirty="0"/>
+          </a:p>
+          <a:p>
+            <a:r>
+              <a:rPr lang="en-US" sz="1400" dirty="0"/>
+              <a:t>./</a:t>
+            </a:r>
+            <a:r>
+              <a:rPr lang="en-US" sz="1400" dirty="0" err="1"/>
+              <a:t>case.submit</a:t>
+            </a:r>
+            <a:endParaRPr lang="en-US" sz="1400" dirty="0"/>
+          </a:p>
+        </p:txBody>
+      </p:sp>
+      <p:sp>
+        <p:nvSpPr>
+          <p:cNvPr id="26" name="Rectangle 25">
+            <a:extLst>
+              <a:ext uri="{FF2B5EF4-FFF2-40B4-BE49-F238E27FC236}">
+                <a16:creationId xmlns:a16="http://schemas.microsoft.com/office/drawing/2014/main" id="{53BDEB77-0F6C-8075-9F92-BAC1AF92BD77}"/>
+              </a:ext>
+            </a:extLst>
+          </p:cNvPr>
+          <p:cNvSpPr/>
+          <p:nvPr/>
+        </p:nvSpPr>
+        <p:spPr>
+          <a:xfrm>
+            <a:off x="7060020" y="3601892"/>
+            <a:ext cx="2413680" cy="1454476"/>
+          </a:xfrm>
+          <a:prstGeom prst="rect">
+            <a:avLst/>
+          </a:prstGeom>
+          <a:noFill/>
+          <a:ln>
+            <a:solidFill>
+              <a:schemeClr val="tx1"/>
+            </a:solidFill>
+          </a:ln>
+        </p:spPr>
+        <p:style>
+          <a:lnRef idx="2">
+            <a:schemeClr val="accent1">
+              <a:shade val="15000"/>
+            </a:schemeClr>
+          </a:lnRef>
+          <a:fillRef idx="1">
+            <a:schemeClr val="accent1"/>
+          </a:fillRef>
+          <a:effectRef idx="0">
+            <a:schemeClr val="accent1"/>
+          </a:effectRef>
+          <a:fontRef idx="minor">
+            <a:schemeClr val="lt1"/>
+          </a:fontRef>
+        </p:style>
+        <p:txBody>
+          <a:bodyPr rtlCol="0" anchor="ctr"/>
+          <a:lstStyle/>
+          <a:p>
+            <a:pPr algn="ctr"/>
+            <a:endParaRPr lang="en-US"/>
+          </a:p>
+        </p:txBody>
+      </p:sp>
       <p:cxnSp>
         <p:nvCxnSpPr>
           <p:cNvPr id="4" name="Straight Connector 3">
@@ -4142,12 +4261,12 @@
         </p:nvCxnSpPr>
         <p:spPr>
           <a:xfrm rot="16200000" flipH="1">
-            <a:off x="5162014" y="2824261"/>
-            <a:ext cx="726887" cy="407275"/>
+            <a:off x="5115847" y="2870427"/>
+            <a:ext cx="819221" cy="407276"/>
           </a:xfrm>
           <a:prstGeom prst="bentConnector4">
             <a:avLst>
-              <a:gd name="adj1" fmla="val 303"/>
+              <a:gd name="adj1" fmla="val 27458"/>
               <a:gd name="adj2" fmla="val 156129"/>
             </a:avLst>
           </a:prstGeom>
@@ -4172,10 +4291,1121 @@
           </a:fontRef>
         </p:style>
       </p:cxnSp>
+      <p:sp>
+        <p:nvSpPr>
+          <p:cNvPr id="2" name="TextBox 1">
+            <a:extLst>
+              <a:ext uri="{FF2B5EF4-FFF2-40B4-BE49-F238E27FC236}">
+                <a16:creationId xmlns:a16="http://schemas.microsoft.com/office/drawing/2014/main" id="{8DB8F3C3-7C05-B55C-D2E7-ADD7FA70A469}"/>
+              </a:ext>
+            </a:extLst>
+          </p:cNvPr>
+          <p:cNvSpPr txBox="1"/>
+          <p:nvPr/>
+        </p:nvSpPr>
+        <p:spPr>
+          <a:xfrm>
+            <a:off x="3611953" y="3120592"/>
+            <a:ext cx="909223" cy="369332"/>
+          </a:xfrm>
+          <a:prstGeom prst="rect">
+            <a:avLst/>
+          </a:prstGeom>
+          <a:noFill/>
+        </p:spPr>
+        <p:txBody>
+          <a:bodyPr wrap="none" rtlCol="0">
+            <a:spAutoFit/>
+          </a:bodyPr>
+          <a:lstStyle/>
+          <a:p>
+            <a:r>
+              <a:rPr lang="en-US" dirty="0"/>
+              <a:t>CLMU </a:t>
+            </a:r>
+          </a:p>
+        </p:txBody>
+      </p:sp>
+      <p:sp>
+        <p:nvSpPr>
+          <p:cNvPr id="7" name="TextBox 6">
+            <a:extLst>
+              <a:ext uri="{FF2B5EF4-FFF2-40B4-BE49-F238E27FC236}">
+                <a16:creationId xmlns:a16="http://schemas.microsoft.com/office/drawing/2014/main" id="{00076B80-08A6-2B23-4FF3-B284E1F1E324}"/>
+              </a:ext>
+            </a:extLst>
+          </p:cNvPr>
+          <p:cNvSpPr txBox="1"/>
+          <p:nvPr/>
+        </p:nvSpPr>
+        <p:spPr>
+          <a:xfrm>
+            <a:off x="7225546" y="1495395"/>
+            <a:ext cx="1897685" cy="461665"/>
+          </a:xfrm>
+          <a:prstGeom prst="rect">
+            <a:avLst/>
+          </a:prstGeom>
+          <a:noFill/>
+        </p:spPr>
+        <p:txBody>
+          <a:bodyPr wrap="square">
+            <a:spAutoFit/>
+          </a:bodyPr>
+          <a:lstStyle/>
+          <a:p>
+            <a:r>
+              <a:rPr lang="en-US" sz="2400" b="1" dirty="0">
+                <a:solidFill>
+                  <a:srgbClr val="6B2C90"/>
+                </a:solidFill>
+              </a:rPr>
+              <a:t>CLMU-App</a:t>
+            </a:r>
+          </a:p>
+        </p:txBody>
+      </p:sp>
+      <p:sp>
+        <p:nvSpPr>
+          <p:cNvPr id="12" name="TextBox 11">
+            <a:extLst>
+              <a:ext uri="{FF2B5EF4-FFF2-40B4-BE49-F238E27FC236}">
+                <a16:creationId xmlns:a16="http://schemas.microsoft.com/office/drawing/2014/main" id="{A38ACD82-F42C-1978-CE9D-2F21EC3900C1}"/>
+              </a:ext>
+            </a:extLst>
+          </p:cNvPr>
+          <p:cNvSpPr txBox="1"/>
+          <p:nvPr/>
+        </p:nvSpPr>
+        <p:spPr>
+          <a:xfrm>
+            <a:off x="2654862" y="4537780"/>
+            <a:ext cx="534031" cy="415498"/>
+          </a:xfrm>
+          <a:prstGeom prst="rect">
+            <a:avLst/>
+          </a:prstGeom>
+          <a:noFill/>
+          <a:ln>
+            <a:solidFill>
+              <a:schemeClr val="tx1"/>
+            </a:solidFill>
+          </a:ln>
+        </p:spPr>
+        <p:txBody>
+          <a:bodyPr wrap="square">
+            <a:spAutoFit/>
+          </a:bodyPr>
+          <a:lstStyle/>
+          <a:p>
+            <a:pPr algn="ctr"/>
+            <a:r>
+              <a:rPr lang="en-US" sz="1050" b="1" dirty="0">
+                <a:solidFill>
+                  <a:srgbClr val="800000"/>
+                </a:solidFill>
+              </a:rPr>
+              <a:t>AMD</a:t>
+            </a:r>
+          </a:p>
+          <a:p>
+            <a:pPr algn="ctr"/>
+            <a:r>
+              <a:rPr lang="en-US" sz="1050" b="1" dirty="0">
+                <a:solidFill>
+                  <a:srgbClr val="800000"/>
+                </a:solidFill>
+              </a:rPr>
+              <a:t>64</a:t>
+            </a:r>
+          </a:p>
+        </p:txBody>
+      </p:sp>
+      <p:sp>
+        <p:nvSpPr>
+          <p:cNvPr id="19" name="TextBox 18">
+            <a:extLst>
+              <a:ext uri="{FF2B5EF4-FFF2-40B4-BE49-F238E27FC236}">
+                <a16:creationId xmlns:a16="http://schemas.microsoft.com/office/drawing/2014/main" id="{CFE981E5-CBF0-A341-804E-B579125858BB}"/>
+              </a:ext>
+            </a:extLst>
+          </p:cNvPr>
+          <p:cNvSpPr txBox="1"/>
+          <p:nvPr/>
+        </p:nvSpPr>
+        <p:spPr>
+          <a:xfrm>
+            <a:off x="3514663" y="4537780"/>
+            <a:ext cx="534030" cy="430887"/>
+          </a:xfrm>
+          <a:prstGeom prst="rect">
+            <a:avLst/>
+          </a:prstGeom>
+          <a:noFill/>
+          <a:ln>
+            <a:solidFill>
+              <a:schemeClr val="tx1"/>
+            </a:solidFill>
+          </a:ln>
+        </p:spPr>
+        <p:txBody>
+          <a:bodyPr wrap="square">
+            <a:spAutoFit/>
+          </a:bodyPr>
+          <a:lstStyle/>
+          <a:p>
+            <a:pPr algn="ctr"/>
+            <a:r>
+              <a:rPr lang="en-US" sz="1100" b="1" dirty="0">
+                <a:solidFill>
+                  <a:srgbClr val="800000"/>
+                </a:solidFill>
+              </a:rPr>
+              <a:t>ARM</a:t>
+            </a:r>
+          </a:p>
+          <a:p>
+            <a:pPr algn="ctr"/>
+            <a:r>
+              <a:rPr lang="en-US" sz="1100" b="1" dirty="0">
+                <a:solidFill>
+                  <a:srgbClr val="800000"/>
+                </a:solidFill>
+              </a:rPr>
+              <a:t>64</a:t>
+            </a:r>
+          </a:p>
+        </p:txBody>
+      </p:sp>
+      <p:sp>
+        <p:nvSpPr>
+          <p:cNvPr id="22" name="TextBox 21">
+            <a:extLst>
+              <a:ext uri="{FF2B5EF4-FFF2-40B4-BE49-F238E27FC236}">
+                <a16:creationId xmlns:a16="http://schemas.microsoft.com/office/drawing/2014/main" id="{778AAAB1-E1D3-7970-0E09-BF1CDDD0EB6F}"/>
+              </a:ext>
+            </a:extLst>
+          </p:cNvPr>
+          <p:cNvSpPr txBox="1"/>
+          <p:nvPr/>
+        </p:nvSpPr>
+        <p:spPr>
+          <a:xfrm>
+            <a:off x="2563907" y="4160316"/>
+            <a:ext cx="697146" cy="253916"/>
+          </a:xfrm>
+          <a:prstGeom prst="rect">
+            <a:avLst/>
+          </a:prstGeom>
+          <a:noFill/>
+          <a:ln>
+            <a:solidFill>
+              <a:schemeClr val="tx1"/>
+            </a:solidFill>
+          </a:ln>
+        </p:spPr>
+        <p:txBody>
+          <a:bodyPr wrap="square">
+            <a:spAutoFit/>
+          </a:bodyPr>
+          <a:lstStyle/>
+          <a:p>
+            <a:pPr algn="ctr"/>
+            <a:r>
+              <a:rPr lang="en-US" sz="1050" b="1" dirty="0">
+                <a:solidFill>
+                  <a:srgbClr val="800000"/>
+                </a:solidFill>
+              </a:rPr>
+              <a:t>Win</a:t>
+            </a:r>
+          </a:p>
+        </p:txBody>
+      </p:sp>
+      <p:sp>
+        <p:nvSpPr>
+          <p:cNvPr id="24" name="TextBox 23">
+            <a:extLst>
+              <a:ext uri="{FF2B5EF4-FFF2-40B4-BE49-F238E27FC236}">
+                <a16:creationId xmlns:a16="http://schemas.microsoft.com/office/drawing/2014/main" id="{AA423455-CEE3-8651-E42E-D2F28B520A66}"/>
+              </a:ext>
+            </a:extLst>
+          </p:cNvPr>
+          <p:cNvSpPr txBox="1"/>
+          <p:nvPr/>
+        </p:nvSpPr>
+        <p:spPr>
+          <a:xfrm>
+            <a:off x="3423708" y="4160316"/>
+            <a:ext cx="697146" cy="261610"/>
+          </a:xfrm>
+          <a:prstGeom prst="rect">
+            <a:avLst/>
+          </a:prstGeom>
+          <a:noFill/>
+          <a:ln>
+            <a:solidFill>
+              <a:schemeClr val="tx1"/>
+            </a:solidFill>
+          </a:ln>
+        </p:spPr>
+        <p:txBody>
+          <a:bodyPr wrap="square">
+            <a:spAutoFit/>
+          </a:bodyPr>
+          <a:lstStyle/>
+          <a:p>
+            <a:pPr algn="ctr"/>
+            <a:r>
+              <a:rPr lang="en-US" sz="1100" b="1" dirty="0">
+                <a:solidFill>
+                  <a:srgbClr val="800000"/>
+                </a:solidFill>
+              </a:rPr>
+              <a:t>Linux</a:t>
+            </a:r>
+          </a:p>
+        </p:txBody>
+      </p:sp>
+      <p:sp>
+        <p:nvSpPr>
+          <p:cNvPr id="27" name="TextBox 26">
+            <a:extLst>
+              <a:ext uri="{FF2B5EF4-FFF2-40B4-BE49-F238E27FC236}">
+                <a16:creationId xmlns:a16="http://schemas.microsoft.com/office/drawing/2014/main" id="{1EC72D97-7885-DE89-E578-770CDED4C854}"/>
+              </a:ext>
+            </a:extLst>
+          </p:cNvPr>
+          <p:cNvSpPr txBox="1"/>
+          <p:nvPr/>
+        </p:nvSpPr>
+        <p:spPr>
+          <a:xfrm>
+            <a:off x="4276589" y="4156469"/>
+            <a:ext cx="697146" cy="261610"/>
+          </a:xfrm>
+          <a:prstGeom prst="rect">
+            <a:avLst/>
+          </a:prstGeom>
+          <a:noFill/>
+          <a:ln>
+            <a:solidFill>
+              <a:schemeClr val="tx1"/>
+            </a:solidFill>
+          </a:ln>
+        </p:spPr>
+        <p:txBody>
+          <a:bodyPr wrap="square">
+            <a:spAutoFit/>
+          </a:bodyPr>
+          <a:lstStyle/>
+          <a:p>
+            <a:pPr algn="ctr"/>
+            <a:r>
+              <a:rPr lang="en-US" sz="1100" b="1" dirty="0">
+                <a:solidFill>
+                  <a:srgbClr val="800000"/>
+                </a:solidFill>
+              </a:rPr>
+              <a:t>Linux</a:t>
+            </a:r>
+          </a:p>
+        </p:txBody>
+      </p:sp>
     </p:spTree>
     <p:extLst>
       <p:ext uri="{BB962C8B-B14F-4D97-AF65-F5344CB8AC3E}">
         <p14:creationId xmlns:p14="http://schemas.microsoft.com/office/powerpoint/2010/main" val="2341350129"/>
+      </p:ext>
+    </p:extLst>
+  </p:cSld>
+  <p:clrMapOvr>
+    <a:masterClrMapping/>
+  </p:clrMapOvr>
+</p:sld>
+</file>
+
+<file path=ppt/slides/slide3.xml><?xml version="1.0" encoding="utf-8"?>
+<p:sld xmlns:a="http://schemas.openxmlformats.org/drawingml/2006/main" xmlns:r="http://schemas.openxmlformats.org/officeDocument/2006/relationships" xmlns:p="http://schemas.openxmlformats.org/presentationml/2006/main">
+  <p:cSld>
+    <p:spTree>
+      <p:nvGrpSpPr>
+        <p:cNvPr id="1" name="">
+          <a:extLst>
+            <a:ext uri="{FF2B5EF4-FFF2-40B4-BE49-F238E27FC236}">
+              <a16:creationId xmlns:a16="http://schemas.microsoft.com/office/drawing/2014/main" id="{6E44BFC9-F416-7945-075F-F93569F75437}"/>
+            </a:ext>
+          </a:extLst>
+        </p:cNvPr>
+        <p:cNvGrpSpPr/>
+        <p:nvPr/>
+      </p:nvGrpSpPr>
+      <p:grpSpPr>
+        <a:xfrm>
+          <a:off x="0" y="0"/>
+          <a:ext cx="0" cy="0"/>
+          <a:chOff x="0" y="0"/>
+          <a:chExt cx="0" cy="0"/>
+        </a:xfrm>
+      </p:grpSpPr>
+      <p:sp>
+        <p:nvSpPr>
+          <p:cNvPr id="29" name="Rectangle 28">
+            <a:extLst>
+              <a:ext uri="{FF2B5EF4-FFF2-40B4-BE49-F238E27FC236}">
+                <a16:creationId xmlns:a16="http://schemas.microsoft.com/office/drawing/2014/main" id="{322AD886-35AA-347D-06BB-52B1529E34EE}"/>
+              </a:ext>
+            </a:extLst>
+          </p:cNvPr>
+          <p:cNvSpPr/>
+          <p:nvPr/>
+        </p:nvSpPr>
+        <p:spPr>
+          <a:xfrm>
+            <a:off x="468351" y="267629"/>
+            <a:ext cx="10203366" cy="6055112"/>
+          </a:xfrm>
+          <a:prstGeom prst="rect">
+            <a:avLst/>
+          </a:prstGeom>
+          <a:solidFill>
+            <a:schemeClr val="bg1"/>
+          </a:solidFill>
+        </p:spPr>
+        <p:style>
+          <a:lnRef idx="2">
+            <a:schemeClr val="accent1">
+              <a:shade val="15000"/>
+            </a:schemeClr>
+          </a:lnRef>
+          <a:fillRef idx="1">
+            <a:schemeClr val="accent1"/>
+          </a:fillRef>
+          <a:effectRef idx="0">
+            <a:schemeClr val="accent1"/>
+          </a:effectRef>
+          <a:fontRef idx="minor">
+            <a:schemeClr val="lt1"/>
+          </a:fontRef>
+        </p:style>
+        <p:txBody>
+          <a:bodyPr rtlCol="0" anchor="ctr"/>
+          <a:lstStyle/>
+          <a:p>
+            <a:pPr algn="ctr"/>
+            <a:endParaRPr lang="en-US"/>
+          </a:p>
+        </p:txBody>
+      </p:sp>
+      <p:sp>
+        <p:nvSpPr>
+          <p:cNvPr id="8" name="TextBox 7">
+            <a:extLst>
+              <a:ext uri="{FF2B5EF4-FFF2-40B4-BE49-F238E27FC236}">
+                <a16:creationId xmlns:a16="http://schemas.microsoft.com/office/drawing/2014/main" id="{89A56A1A-D180-EC05-11A5-E800B5CACF78}"/>
+              </a:ext>
+            </a:extLst>
+          </p:cNvPr>
+          <p:cNvSpPr txBox="1"/>
+          <p:nvPr/>
+        </p:nvSpPr>
+        <p:spPr>
+          <a:xfrm>
+            <a:off x="2563907" y="1336431"/>
+            <a:ext cx="3480577" cy="2708031"/>
+          </a:xfrm>
+          <a:prstGeom prst="rect">
+            <a:avLst/>
+          </a:prstGeom>
+          <a:noFill/>
+          <a:ln>
+            <a:solidFill>
+              <a:schemeClr val="tx1"/>
+            </a:solidFill>
+            <a:prstDash val="sysDash"/>
+          </a:ln>
+        </p:spPr>
+        <p:txBody>
+          <a:bodyPr wrap="square" rtlCol="0">
+            <a:spAutoFit/>
+          </a:bodyPr>
+          <a:lstStyle/>
+          <a:p>
+            <a:endParaRPr lang="en-US" dirty="0"/>
+          </a:p>
+        </p:txBody>
+      </p:sp>
+      <p:pic>
+        <p:nvPicPr>
+          <p:cNvPr id="5" name="Graphic 4" descr="Box outline">
+            <a:extLst>
+              <a:ext uri="{FF2B5EF4-FFF2-40B4-BE49-F238E27FC236}">
+                <a16:creationId xmlns:a16="http://schemas.microsoft.com/office/drawing/2014/main" id="{137AB7D4-B137-214F-19F5-AECE044B57B4}"/>
+              </a:ext>
+            </a:extLst>
+          </p:cNvPr>
+          <p:cNvPicPr>
+            <a:picLocks noChangeAspect="1"/>
+          </p:cNvPicPr>
+          <p:nvPr/>
+        </p:nvPicPr>
+        <p:blipFill>
+          <a:blip r:embed="rId2">
+            <a:extLst>
+              <a:ext uri="{28A0092B-C50C-407E-A947-70E740481C1C}">
+                <a14:useLocalDpi xmlns:a14="http://schemas.microsoft.com/office/drawing/2010/main" val="0"/>
+              </a:ext>
+              <a:ext uri="{96DAC541-7B7A-43D3-8B79-37D633B846F1}">
+                <asvg:svgBlip xmlns:asvg="http://schemas.microsoft.com/office/drawing/2016/SVG/main" r:embed="rId3"/>
+              </a:ext>
+            </a:extLst>
+          </a:blip>
+          <a:stretch>
+            <a:fillRect/>
+          </a:stretch>
+        </p:blipFill>
+        <p:spPr>
+          <a:xfrm>
+            <a:off x="3386923" y="1557127"/>
+            <a:ext cx="914400" cy="914400"/>
+          </a:xfrm>
+          <a:prstGeom prst="rect">
+            <a:avLst/>
+          </a:prstGeom>
+        </p:spPr>
+      </p:pic>
+      <p:sp>
+        <p:nvSpPr>
+          <p:cNvPr id="6" name="TextBox 5">
+            <a:extLst>
+              <a:ext uri="{FF2B5EF4-FFF2-40B4-BE49-F238E27FC236}">
+                <a16:creationId xmlns:a16="http://schemas.microsoft.com/office/drawing/2014/main" id="{C71F347D-4850-03D9-4D7D-F21764A15628}"/>
+              </a:ext>
+            </a:extLst>
+          </p:cNvPr>
+          <p:cNvSpPr txBox="1"/>
+          <p:nvPr/>
+        </p:nvSpPr>
+        <p:spPr>
+          <a:xfrm>
+            <a:off x="2753600" y="2479790"/>
+            <a:ext cx="2181046" cy="369332"/>
+          </a:xfrm>
+          <a:prstGeom prst="rect">
+            <a:avLst/>
+          </a:prstGeom>
+          <a:noFill/>
+        </p:spPr>
+        <p:txBody>
+          <a:bodyPr wrap="none" rtlCol="0">
+            <a:spAutoFit/>
+          </a:bodyPr>
+          <a:lstStyle/>
+          <a:p>
+            <a:r>
+              <a:rPr lang="en-US" dirty="0"/>
+              <a:t>CLM</a:t>
+            </a:r>
+            <a:r>
+              <a:rPr lang="zh-CN" altLang="en-US" dirty="0"/>
+              <a:t> </a:t>
+            </a:r>
+            <a:r>
+              <a:rPr lang="en-US" altLang="zh-CN" dirty="0"/>
+              <a:t>ENV</a:t>
+            </a:r>
+            <a:r>
+              <a:rPr lang="zh-CN" altLang="en-US" dirty="0"/>
+              <a:t> </a:t>
+            </a:r>
+            <a:r>
+              <a:rPr lang="en-US" dirty="0"/>
+              <a:t>Container</a:t>
+            </a:r>
+          </a:p>
+        </p:txBody>
+      </p:sp>
+      <p:pic>
+        <p:nvPicPr>
+          <p:cNvPr id="1026" name="Picture 2" descr="우분투 18.04 도커(Docker) 설치 방법 - 코스모스팜 블로그">
+            <a:extLst>
+              <a:ext uri="{FF2B5EF4-FFF2-40B4-BE49-F238E27FC236}">
+                <a16:creationId xmlns:a16="http://schemas.microsoft.com/office/drawing/2014/main" id="{AC9C1582-A2D9-9EF4-2B81-4CF4D278C59E}"/>
+              </a:ext>
+            </a:extLst>
+          </p:cNvPr>
+          <p:cNvPicPr>
+            <a:picLocks noChangeAspect="1" noChangeArrowheads="1"/>
+          </p:cNvPicPr>
+          <p:nvPr/>
+        </p:nvPicPr>
+        <p:blipFill>
+          <a:blip r:embed="rId4">
+            <a:extLst>
+              <a:ext uri="{28A0092B-C50C-407E-A947-70E740481C1C}">
+                <a14:useLocalDpi xmlns:a14="http://schemas.microsoft.com/office/drawing/2010/main" val="0"/>
+              </a:ext>
+            </a:extLst>
+          </a:blip>
+          <a:srcRect/>
+          <a:stretch>
+            <a:fillRect/>
+          </a:stretch>
+        </p:blipFill>
+        <p:spPr bwMode="auto">
+          <a:xfrm>
+            <a:off x="2615423" y="1450855"/>
+            <a:ext cx="645630" cy="388133"/>
+          </a:xfrm>
+          <a:prstGeom prst="rect">
+            <a:avLst/>
+          </a:prstGeom>
+          <a:noFill/>
+          <a:extLst>
+            <a:ext uri="{909E8E84-426E-40DD-AFC4-6F175D3DCCD1}">
+              <a14:hiddenFill xmlns:a14="http://schemas.microsoft.com/office/drawing/2010/main">
+                <a:solidFill>
+                  <a:srgbClr val="FFFFFF"/>
+                </a:solidFill>
+              </a14:hiddenFill>
+            </a:ext>
+          </a:extLst>
+        </p:spPr>
+      </p:pic>
+      <p:pic>
+        <p:nvPicPr>
+          <p:cNvPr id="1028" name="Picture 4" descr="Singularity Container Ation User guide 2.6">
+            <a:extLst>
+              <a:ext uri="{FF2B5EF4-FFF2-40B4-BE49-F238E27FC236}">
+                <a16:creationId xmlns:a16="http://schemas.microsoft.com/office/drawing/2014/main" id="{F0070C93-531E-FD55-AB5A-A126958F88D5}"/>
+              </a:ext>
+            </a:extLst>
+          </p:cNvPr>
+          <p:cNvPicPr>
+            <a:picLocks noChangeAspect="1" noChangeArrowheads="1"/>
+          </p:cNvPicPr>
+          <p:nvPr/>
+        </p:nvPicPr>
+        <p:blipFill rotWithShape="1">
+          <a:blip r:embed="rId5">
+            <a:extLst>
+              <a:ext uri="{28A0092B-C50C-407E-A947-70E740481C1C}">
+                <a14:useLocalDpi xmlns:a14="http://schemas.microsoft.com/office/drawing/2010/main" val="0"/>
+              </a:ext>
+            </a:extLst>
+          </a:blip>
+          <a:srcRect t="3164" b="26084"/>
+          <a:stretch/>
+        </p:blipFill>
+        <p:spPr bwMode="auto">
+          <a:xfrm>
+            <a:off x="2711449" y="1995036"/>
+            <a:ext cx="420858" cy="399491"/>
+          </a:xfrm>
+          <a:prstGeom prst="rect">
+            <a:avLst/>
+          </a:prstGeom>
+          <a:noFill/>
+          <a:extLst>
+            <a:ext uri="{909E8E84-426E-40DD-AFC4-6F175D3DCCD1}">
+              <a14:hiddenFill xmlns:a14="http://schemas.microsoft.com/office/drawing/2010/main">
+                <a:solidFill>
+                  <a:srgbClr val="FFFFFF"/>
+                </a:solidFill>
+              </a14:hiddenFill>
+            </a:ext>
+          </a:extLst>
+        </p:spPr>
+      </p:pic>
+      <p:sp>
+        <p:nvSpPr>
+          <p:cNvPr id="17" name="TextBox 16">
+            <a:extLst>
+              <a:ext uri="{FF2B5EF4-FFF2-40B4-BE49-F238E27FC236}">
+                <a16:creationId xmlns:a16="http://schemas.microsoft.com/office/drawing/2014/main" id="{C3298A0F-A2B8-3117-DE27-EEAB43836382}"/>
+              </a:ext>
+            </a:extLst>
+          </p:cNvPr>
+          <p:cNvSpPr txBox="1"/>
+          <p:nvPr/>
+        </p:nvSpPr>
+        <p:spPr>
+          <a:xfrm>
+            <a:off x="2753600" y="3114344"/>
+            <a:ext cx="2975495" cy="738664"/>
+          </a:xfrm>
+          <a:prstGeom prst="rect">
+            <a:avLst/>
+          </a:prstGeom>
+          <a:noFill/>
+        </p:spPr>
+        <p:txBody>
+          <a:bodyPr wrap="none" rtlCol="0">
+            <a:spAutoFit/>
+          </a:bodyPr>
+          <a:lstStyle/>
+          <a:p>
+            <a:r>
+              <a:rPr lang="en-US" dirty="0"/>
+              <a:t>CLM  </a:t>
+            </a:r>
+            <a:r>
+              <a:rPr lang="en-US" altLang="zh-CN" dirty="0"/>
+              <a:t>&gt;</a:t>
+            </a:r>
+            <a:endParaRPr lang="en-US" dirty="0"/>
+          </a:p>
+          <a:p>
+            <a:r>
+              <a:rPr lang="en-US" sz="1200" dirty="0"/>
+              <a:t>(hosted by NCAR)</a:t>
+            </a:r>
+          </a:p>
+          <a:p>
+            <a:r>
+              <a:rPr lang="en-US" sz="1200" dirty="0">
+                <a:solidFill>
+                  <a:schemeClr val="bg1"/>
+                </a:solidFill>
+              </a:rPr>
+              <a:t>GitHub: https://</a:t>
+            </a:r>
+            <a:r>
+              <a:rPr lang="en-US" sz="1200" dirty="0" err="1">
+                <a:solidFill>
+                  <a:schemeClr val="bg1"/>
+                </a:solidFill>
+              </a:rPr>
+              <a:t>github.com</a:t>
+            </a:r>
+            <a:r>
+              <a:rPr lang="en-US" sz="1200" dirty="0">
+                <a:solidFill>
+                  <a:schemeClr val="bg1"/>
+                </a:solidFill>
+              </a:rPr>
+              <a:t>/ESCOMP/CTSM</a:t>
+            </a:r>
+          </a:p>
+        </p:txBody>
+      </p:sp>
+      <p:cxnSp>
+        <p:nvCxnSpPr>
+          <p:cNvPr id="4" name="Straight Connector 3">
+            <a:extLst>
+              <a:ext uri="{FF2B5EF4-FFF2-40B4-BE49-F238E27FC236}">
+                <a16:creationId xmlns:a16="http://schemas.microsoft.com/office/drawing/2014/main" id="{D444940A-FFB1-56C5-5F71-69F2C450625A}"/>
+              </a:ext>
+            </a:extLst>
+          </p:cNvPr>
+          <p:cNvCxnSpPr>
+            <a:cxnSpLocks/>
+          </p:cNvCxnSpPr>
+          <p:nvPr/>
+        </p:nvCxnSpPr>
+        <p:spPr>
+          <a:xfrm>
+            <a:off x="5954866" y="3245520"/>
+            <a:ext cx="673242" cy="0"/>
+          </a:xfrm>
+          <a:prstGeom prst="line">
+            <a:avLst/>
+          </a:prstGeom>
+          <a:ln w="28575">
+            <a:solidFill>
+              <a:schemeClr val="tx1"/>
+            </a:solidFill>
+            <a:headEnd type="none" w="med" len="med"/>
+            <a:tailEnd type="arrow" w="med" len="med"/>
+          </a:ln>
+        </p:spPr>
+        <p:style>
+          <a:lnRef idx="1">
+            <a:schemeClr val="accent1"/>
+          </a:lnRef>
+          <a:fillRef idx="0">
+            <a:schemeClr val="accent1"/>
+          </a:fillRef>
+          <a:effectRef idx="0">
+            <a:schemeClr val="accent1"/>
+          </a:effectRef>
+          <a:fontRef idx="minor">
+            <a:schemeClr val="tx1"/>
+          </a:fontRef>
+        </p:style>
+      </p:cxnSp>
+      <p:cxnSp>
+        <p:nvCxnSpPr>
+          <p:cNvPr id="14" name="Elbow Connector 13">
+            <a:extLst>
+              <a:ext uri="{FF2B5EF4-FFF2-40B4-BE49-F238E27FC236}">
+                <a16:creationId xmlns:a16="http://schemas.microsoft.com/office/drawing/2014/main" id="{FE8DC346-08EB-524B-65F2-95D6CCA6CAF1}"/>
+              </a:ext>
+            </a:extLst>
+          </p:cNvPr>
+          <p:cNvCxnSpPr>
+            <a:cxnSpLocks/>
+            <a:endCxn id="17" idx="3"/>
+          </p:cNvCxnSpPr>
+          <p:nvPr/>
+        </p:nvCxnSpPr>
+        <p:spPr>
+          <a:xfrm rot="16200000" flipH="1">
+            <a:off x="5115847" y="2870427"/>
+            <a:ext cx="819221" cy="407276"/>
+          </a:xfrm>
+          <a:prstGeom prst="bentConnector4">
+            <a:avLst>
+              <a:gd name="adj1" fmla="val 27458"/>
+              <a:gd name="adj2" fmla="val 156129"/>
+            </a:avLst>
+          </a:prstGeom>
+          <a:ln w="28575">
+            <a:solidFill>
+              <a:schemeClr val="tx1"/>
+            </a:solidFill>
+          </a:ln>
+        </p:spPr>
+        <p:style>
+          <a:lnRef idx="1">
+            <a:schemeClr val="accent1"/>
+          </a:lnRef>
+          <a:fillRef idx="0">
+            <a:schemeClr val="accent1"/>
+          </a:fillRef>
+          <a:effectRef idx="0">
+            <a:schemeClr val="accent1"/>
+          </a:effectRef>
+          <a:fontRef idx="minor">
+            <a:schemeClr val="tx1"/>
+          </a:fontRef>
+        </p:style>
+      </p:cxnSp>
+      <p:sp>
+        <p:nvSpPr>
+          <p:cNvPr id="2" name="TextBox 1">
+            <a:extLst>
+              <a:ext uri="{FF2B5EF4-FFF2-40B4-BE49-F238E27FC236}">
+                <a16:creationId xmlns:a16="http://schemas.microsoft.com/office/drawing/2014/main" id="{C4B2D782-E564-CC23-9B32-93CAB30D9754}"/>
+              </a:ext>
+            </a:extLst>
+          </p:cNvPr>
+          <p:cNvSpPr txBox="1"/>
+          <p:nvPr/>
+        </p:nvSpPr>
+        <p:spPr>
+          <a:xfrm>
+            <a:off x="3611953" y="3120592"/>
+            <a:ext cx="909223" cy="369332"/>
+          </a:xfrm>
+          <a:prstGeom prst="rect">
+            <a:avLst/>
+          </a:prstGeom>
+          <a:noFill/>
+        </p:spPr>
+        <p:txBody>
+          <a:bodyPr wrap="none" rtlCol="0">
+            <a:spAutoFit/>
+          </a:bodyPr>
+          <a:lstStyle/>
+          <a:p>
+            <a:r>
+              <a:rPr lang="en-US" dirty="0"/>
+              <a:t>CLMU </a:t>
+            </a:r>
+          </a:p>
+        </p:txBody>
+      </p:sp>
+      <p:sp>
+        <p:nvSpPr>
+          <p:cNvPr id="7" name="TextBox 6">
+            <a:extLst>
+              <a:ext uri="{FF2B5EF4-FFF2-40B4-BE49-F238E27FC236}">
+                <a16:creationId xmlns:a16="http://schemas.microsoft.com/office/drawing/2014/main" id="{81D8B178-D455-97D2-1932-C06A42395B45}"/>
+              </a:ext>
+            </a:extLst>
+          </p:cNvPr>
+          <p:cNvSpPr txBox="1"/>
+          <p:nvPr/>
+        </p:nvSpPr>
+        <p:spPr>
+          <a:xfrm>
+            <a:off x="7225546" y="1495395"/>
+            <a:ext cx="1897685" cy="461665"/>
+          </a:xfrm>
+          <a:prstGeom prst="rect">
+            <a:avLst/>
+          </a:prstGeom>
+          <a:noFill/>
+        </p:spPr>
+        <p:txBody>
+          <a:bodyPr wrap="square">
+            <a:spAutoFit/>
+          </a:bodyPr>
+          <a:lstStyle/>
+          <a:p>
+            <a:r>
+              <a:rPr lang="en-US" sz="2400" b="1" dirty="0">
+                <a:solidFill>
+                  <a:srgbClr val="6B2C90"/>
+                </a:solidFill>
+              </a:rPr>
+              <a:t>CLMU-App</a:t>
+            </a:r>
+          </a:p>
+        </p:txBody>
+      </p:sp>
+      <p:sp>
+        <p:nvSpPr>
+          <p:cNvPr id="12" name="TextBox 11">
+            <a:extLst>
+              <a:ext uri="{FF2B5EF4-FFF2-40B4-BE49-F238E27FC236}">
+                <a16:creationId xmlns:a16="http://schemas.microsoft.com/office/drawing/2014/main" id="{CEB2F480-D176-3F3D-7BD6-0323773986C2}"/>
+              </a:ext>
+            </a:extLst>
+          </p:cNvPr>
+          <p:cNvSpPr txBox="1"/>
+          <p:nvPr/>
+        </p:nvSpPr>
+        <p:spPr>
+          <a:xfrm>
+            <a:off x="7119527" y="3213556"/>
+            <a:ext cx="534031" cy="415498"/>
+          </a:xfrm>
+          <a:prstGeom prst="rect">
+            <a:avLst/>
+          </a:prstGeom>
+          <a:noFill/>
+          <a:ln>
+            <a:solidFill>
+              <a:schemeClr val="tx1"/>
+            </a:solidFill>
+          </a:ln>
+        </p:spPr>
+        <p:txBody>
+          <a:bodyPr wrap="square">
+            <a:spAutoFit/>
+          </a:bodyPr>
+          <a:lstStyle/>
+          <a:p>
+            <a:pPr algn="ctr"/>
+            <a:r>
+              <a:rPr lang="en-US" sz="1050" b="1" dirty="0">
+                <a:solidFill>
+                  <a:srgbClr val="800000"/>
+                </a:solidFill>
+              </a:rPr>
+              <a:t>AMD</a:t>
+            </a:r>
+          </a:p>
+          <a:p>
+            <a:pPr algn="ctr"/>
+            <a:r>
+              <a:rPr lang="en-US" sz="1050" b="1" dirty="0">
+                <a:solidFill>
+                  <a:srgbClr val="800000"/>
+                </a:solidFill>
+              </a:rPr>
+              <a:t>64</a:t>
+            </a:r>
+          </a:p>
+        </p:txBody>
+      </p:sp>
+      <p:sp>
+        <p:nvSpPr>
+          <p:cNvPr id="19" name="TextBox 18">
+            <a:extLst>
+              <a:ext uri="{FF2B5EF4-FFF2-40B4-BE49-F238E27FC236}">
+                <a16:creationId xmlns:a16="http://schemas.microsoft.com/office/drawing/2014/main" id="{9D201199-3829-9613-3207-D4B582FE36A3}"/>
+              </a:ext>
+            </a:extLst>
+          </p:cNvPr>
+          <p:cNvSpPr txBox="1"/>
+          <p:nvPr/>
+        </p:nvSpPr>
+        <p:spPr>
+          <a:xfrm>
+            <a:off x="7979328" y="3213556"/>
+            <a:ext cx="534030" cy="430887"/>
+          </a:xfrm>
+          <a:prstGeom prst="rect">
+            <a:avLst/>
+          </a:prstGeom>
+          <a:noFill/>
+          <a:ln>
+            <a:solidFill>
+              <a:schemeClr val="tx1"/>
+            </a:solidFill>
+          </a:ln>
+        </p:spPr>
+        <p:txBody>
+          <a:bodyPr wrap="square">
+            <a:spAutoFit/>
+          </a:bodyPr>
+          <a:lstStyle/>
+          <a:p>
+            <a:pPr algn="ctr"/>
+            <a:r>
+              <a:rPr lang="en-US" sz="1100" b="1" dirty="0">
+                <a:solidFill>
+                  <a:srgbClr val="800000"/>
+                </a:solidFill>
+              </a:rPr>
+              <a:t>ARM</a:t>
+            </a:r>
+          </a:p>
+          <a:p>
+            <a:pPr algn="ctr"/>
+            <a:r>
+              <a:rPr lang="en-US" sz="1100" b="1" dirty="0">
+                <a:solidFill>
+                  <a:srgbClr val="800000"/>
+                </a:solidFill>
+              </a:rPr>
+              <a:t>64</a:t>
+            </a:r>
+          </a:p>
+        </p:txBody>
+      </p:sp>
+      <p:sp>
+        <p:nvSpPr>
+          <p:cNvPr id="22" name="TextBox 21">
+            <a:extLst>
+              <a:ext uri="{FF2B5EF4-FFF2-40B4-BE49-F238E27FC236}">
+                <a16:creationId xmlns:a16="http://schemas.microsoft.com/office/drawing/2014/main" id="{F430D905-D02A-5D7F-9F43-410AB640A315}"/>
+              </a:ext>
+            </a:extLst>
+          </p:cNvPr>
+          <p:cNvSpPr txBox="1"/>
+          <p:nvPr/>
+        </p:nvSpPr>
+        <p:spPr>
+          <a:xfrm>
+            <a:off x="7028572" y="2836092"/>
+            <a:ext cx="697146" cy="253916"/>
+          </a:xfrm>
+          <a:prstGeom prst="rect">
+            <a:avLst/>
+          </a:prstGeom>
+          <a:noFill/>
+          <a:ln>
+            <a:solidFill>
+              <a:schemeClr val="tx1"/>
+            </a:solidFill>
+          </a:ln>
+        </p:spPr>
+        <p:txBody>
+          <a:bodyPr wrap="square">
+            <a:spAutoFit/>
+          </a:bodyPr>
+          <a:lstStyle/>
+          <a:p>
+            <a:pPr algn="ctr"/>
+            <a:r>
+              <a:rPr lang="en-US" sz="1050" b="1" dirty="0">
+                <a:solidFill>
+                  <a:srgbClr val="800000"/>
+                </a:solidFill>
+              </a:rPr>
+              <a:t>Win</a:t>
+            </a:r>
+          </a:p>
+        </p:txBody>
+      </p:sp>
+      <p:sp>
+        <p:nvSpPr>
+          <p:cNvPr id="24" name="TextBox 23">
+            <a:extLst>
+              <a:ext uri="{FF2B5EF4-FFF2-40B4-BE49-F238E27FC236}">
+                <a16:creationId xmlns:a16="http://schemas.microsoft.com/office/drawing/2014/main" id="{290981F0-4B10-FC9B-0F1A-C034DD0162F1}"/>
+              </a:ext>
+            </a:extLst>
+          </p:cNvPr>
+          <p:cNvSpPr txBox="1"/>
+          <p:nvPr/>
+        </p:nvSpPr>
+        <p:spPr>
+          <a:xfrm>
+            <a:off x="7888373" y="2836092"/>
+            <a:ext cx="697146" cy="261610"/>
+          </a:xfrm>
+          <a:prstGeom prst="rect">
+            <a:avLst/>
+          </a:prstGeom>
+          <a:noFill/>
+          <a:ln>
+            <a:solidFill>
+              <a:schemeClr val="tx1"/>
+            </a:solidFill>
+          </a:ln>
+        </p:spPr>
+        <p:txBody>
+          <a:bodyPr wrap="square">
+            <a:spAutoFit/>
+          </a:bodyPr>
+          <a:lstStyle/>
+          <a:p>
+            <a:pPr algn="ctr"/>
+            <a:r>
+              <a:rPr lang="en-US" sz="1100" b="1" dirty="0">
+                <a:solidFill>
+                  <a:srgbClr val="800000"/>
+                </a:solidFill>
+              </a:rPr>
+              <a:t>Linux</a:t>
+            </a:r>
+          </a:p>
+        </p:txBody>
+      </p:sp>
+      <p:sp>
+        <p:nvSpPr>
+          <p:cNvPr id="27" name="TextBox 26">
+            <a:extLst>
+              <a:ext uri="{FF2B5EF4-FFF2-40B4-BE49-F238E27FC236}">
+                <a16:creationId xmlns:a16="http://schemas.microsoft.com/office/drawing/2014/main" id="{4322DE40-4624-7D24-4143-138DA702E1BE}"/>
+              </a:ext>
+            </a:extLst>
+          </p:cNvPr>
+          <p:cNvSpPr txBox="1"/>
+          <p:nvPr/>
+        </p:nvSpPr>
+        <p:spPr>
+          <a:xfrm>
+            <a:off x="8741254" y="2832245"/>
+            <a:ext cx="697146" cy="261610"/>
+          </a:xfrm>
+          <a:prstGeom prst="rect">
+            <a:avLst/>
+          </a:prstGeom>
+          <a:noFill/>
+          <a:ln>
+            <a:solidFill>
+              <a:schemeClr val="tx1"/>
+            </a:solidFill>
+          </a:ln>
+        </p:spPr>
+        <p:txBody>
+          <a:bodyPr wrap="square">
+            <a:spAutoFit/>
+          </a:bodyPr>
+          <a:lstStyle/>
+          <a:p>
+            <a:pPr algn="ctr"/>
+            <a:r>
+              <a:rPr lang="en-US" sz="1100" b="1" dirty="0">
+                <a:solidFill>
+                  <a:srgbClr val="800000"/>
+                </a:solidFill>
+              </a:rPr>
+              <a:t>Linux</a:t>
+            </a:r>
+          </a:p>
+        </p:txBody>
+      </p:sp>
+    </p:spTree>
+    <p:extLst>
+      <p:ext uri="{BB962C8B-B14F-4D97-AF65-F5344CB8AC3E}">
+        <p14:creationId xmlns:p14="http://schemas.microsoft.com/office/powerpoint/2010/main" val="3156671153"/>
       </p:ext>
     </p:extLst>
   </p:cSld>

--- a/docs/figs.pptx
+++ b/docs/figs.pptx
@@ -4517,7 +4517,7 @@
                   <a:srgbClr val="800000"/>
                 </a:solidFill>
               </a:rPr>
-              <a:t>Win</a:t>
+              <a:t>Linux</a:t>
             </a:r>
           </a:p>
         </p:txBody>
@@ -4562,7 +4562,7 @@
                   <a:srgbClr val="800000"/>
                 </a:solidFill>
               </a:rPr>
-              <a:t>Linux</a:t>
+              <a:t>Mac</a:t>
             </a:r>
           </a:p>
         </p:txBody>
@@ -4602,13 +4602,18 @@
           <a:p>
             <a:pPr algn="ctr"/>
             <a:r>
-              <a:rPr lang="en-US" sz="1100" b="1" dirty="0">
+              <a:rPr lang="en-US" sz="1100" b="1">
                 <a:solidFill>
                   <a:srgbClr val="800000"/>
                 </a:solidFill>
               </a:rPr>
-              <a:t>Linux</a:t>
-            </a:r>
+              <a:t>Win</a:t>
+            </a:r>
+            <a:endParaRPr lang="en-US" sz="1100" b="1" dirty="0">
+              <a:solidFill>
+                <a:srgbClr val="800000"/>
+              </a:solidFill>
+            </a:endParaRPr>
           </a:p>
         </p:txBody>
       </p:sp>
@@ -5307,7 +5312,7 @@
                   <a:srgbClr val="800000"/>
                 </a:solidFill>
               </a:rPr>
-              <a:t>Win</a:t>
+              <a:t>Linux</a:t>
             </a:r>
           </a:p>
         </p:txBody>
@@ -5352,7 +5357,7 @@
                   <a:srgbClr val="800000"/>
                 </a:solidFill>
               </a:rPr>
-              <a:t>Linux</a:t>
+              <a:t>Mac</a:t>
             </a:r>
           </a:p>
         </p:txBody>
@@ -5397,7 +5402,7 @@
                   <a:srgbClr val="800000"/>
                 </a:solidFill>
               </a:rPr>
-              <a:t>Linux</a:t>
+              <a:t>Win</a:t>
             </a:r>
           </a:p>
         </p:txBody>
